--- a/TGIF/ThirdRound/算法中的树.pptx
+++ b/TGIF/ThirdRound/算法中的树.pptx
@@ -118,7 +118,38 @@
       </a:defRPr>
     </a:lvl9pPr>
   </p:defaultTextStyle>
+  <p:extLst>
+    <p:ext uri="{EFAFB233-063F-42B5-8137-9DF3F51BA10A}">
+      <p15:sldGuideLst xmlns:p15="http://schemas.microsoft.com/office/powerpoint/2012/main"/>
+    </p:ext>
+  </p:extLst>
 </p:presentation>
+</file>
+
+<file path=ppt/commentAuthors.xml><?xml version="1.0" encoding="utf-8"?>
+<p:cmAuthorLst xmlns:a="http://schemas.openxmlformats.org/drawingml/2006/main" xmlns:r="http://schemas.openxmlformats.org/officeDocument/2006/relationships" xmlns:p="http://schemas.openxmlformats.org/presentationml/2006/main">
+  <p:cmAuthor id="1" name="wong Yonah" initials="wY" lastIdx="1" clrIdx="0">
+    <p:extLst>
+      <p:ext uri="{19B8F6BF-5375-455C-9EA6-DF929625EA0E}">
+        <p15:presenceInfo xmlns:p15="http://schemas.microsoft.com/office/powerpoint/2012/main" userId="" providerId=""/>
+      </p:ext>
+    </p:extLst>
+  </p:cmAuthor>
+</p:cmAuthorLst>
+</file>
+
+<file path=ppt/comments/comment1.xml><?xml version="1.0" encoding="utf-8"?>
+<p:cmLst xmlns:a="http://schemas.openxmlformats.org/drawingml/2006/main" xmlns:r="http://schemas.openxmlformats.org/officeDocument/2006/relationships" xmlns:p="http://schemas.openxmlformats.org/presentationml/2006/main">
+  <p:cm authorId="1" dt="2018-10-11T16:11:59.485" idx="1">
+    <p:pos x="5491" y="1756"/>
+    <p:text/>
+    <p:extLst>
+      <p:ext uri="{C676402C-5697-4E1C-873F-D02D1690AC5C}">
+        <p15:threadingInfo xmlns:p15="http://schemas.microsoft.com/office/powerpoint/2012/main" timeZoneBias="-480"/>
+      </p:ext>
+    </p:extLst>
+  </p:cm>
+</p:cmLst>
 </file>
 
 <file path=ppt/slideLayouts/slideLayout1.xml><?xml version="1.0" encoding="utf-8"?>
@@ -3002,6 +3033,40 @@
           </a:prstGeom>
         </p:spPr>
       </p:pic>
+      <p:sp>
+        <p:nvSpPr>
+          <p:cNvPr id="3" name="文本框 2"/>
+          <p:cNvSpPr txBox="1"/>
+          <p:nvPr/>
+        </p:nvSpPr>
+        <p:spPr>
+          <a:xfrm>
+            <a:off x="7269480" y="4953000"/>
+            <a:ext cx="1539240" cy="461665"/>
+          </a:xfrm>
+          <a:prstGeom prst="rect">
+            <a:avLst/>
+          </a:prstGeom>
+          <a:noFill/>
+        </p:spPr>
+        <p:txBody>
+          <a:bodyPr wrap="square" rtlCol="0">
+            <a:spAutoFit/>
+          </a:bodyPr>
+          <a:lstStyle/>
+          <a:p>
+            <a:r>
+              <a:rPr kumimoji="1" lang="en-US" altLang="zh-CN" sz="2400" dirty="0" smtClean="0"/>
+              <a:t>BY</a:t>
+            </a:r>
+            <a:r>
+              <a:rPr kumimoji="1" lang="zh-CN" altLang="en-US" sz="2400" dirty="0" smtClean="0"/>
+              <a:t>  凤娇</a:t>
+            </a:r>
+            <a:endParaRPr kumimoji="1" lang="zh-CN" altLang="en-US" sz="2400" dirty="0"/>
+          </a:p>
+        </p:txBody>
+      </p:sp>
     </p:spTree>
     <p:extLst>
       <p:ext uri="{BB962C8B-B14F-4D97-AF65-F5344CB8AC3E}">
@@ -3209,7 +3274,181 @@
   <p:timing>
     <p:tnLst>
       <p:par>
-        <p:cTn id="1" dur="indefinite" restart="never" nodeType="tmRoot"/>
+        <p:cTn id="1" dur="indefinite" restart="never" nodeType="tmRoot">
+          <p:childTnLst>
+            <p:seq concurrent="1" nextAc="seek">
+              <p:cTn id="2" dur="indefinite" nodeType="mainSeq">
+                <p:childTnLst>
+                  <p:par>
+                    <p:cTn id="3" fill="hold">
+                      <p:stCondLst>
+                        <p:cond delay="indefinite"/>
+                      </p:stCondLst>
+                      <p:childTnLst>
+                        <p:par>
+                          <p:cTn id="4" fill="hold">
+                            <p:stCondLst>
+                              <p:cond delay="0"/>
+                            </p:stCondLst>
+                            <p:childTnLst>
+                              <p:par>
+                                <p:cTn id="5" presetID="1" presetClass="entr" presetSubtype="0" fill="hold" nodeType="clickEffect">
+                                  <p:stCondLst>
+                                    <p:cond delay="0"/>
+                                  </p:stCondLst>
+                                  <p:childTnLst>
+                                    <p:set>
+                                      <p:cBhvr>
+                                        <p:cTn id="6" dur="1" fill="hold">
+                                          <p:stCondLst>
+                                            <p:cond delay="0"/>
+                                          </p:stCondLst>
+                                        </p:cTn>
+                                        <p:tgtEl>
+                                          <p:spTgt spid="3"/>
+                                        </p:tgtEl>
+                                        <p:attrNameLst>
+                                          <p:attrName>style.visibility</p:attrName>
+                                        </p:attrNameLst>
+                                      </p:cBhvr>
+                                      <p:to>
+                                        <p:strVal val="visible"/>
+                                      </p:to>
+                                    </p:set>
+                                  </p:childTnLst>
+                                </p:cTn>
+                              </p:par>
+                            </p:childTnLst>
+                          </p:cTn>
+                        </p:par>
+                      </p:childTnLst>
+                    </p:cTn>
+                  </p:par>
+                  <p:par>
+                    <p:cTn id="7" fill="hold">
+                      <p:stCondLst>
+                        <p:cond delay="indefinite"/>
+                      </p:stCondLst>
+                      <p:childTnLst>
+                        <p:par>
+                          <p:cTn id="8" fill="hold">
+                            <p:stCondLst>
+                              <p:cond delay="0"/>
+                            </p:stCondLst>
+                            <p:childTnLst>
+                              <p:par>
+                                <p:cTn id="9" presetID="9" presetClass="entr" presetSubtype="0" fill="hold" nodeType="clickEffect">
+                                  <p:stCondLst>
+                                    <p:cond delay="0"/>
+                                  </p:stCondLst>
+                                  <p:childTnLst>
+                                    <p:set>
+                                      <p:cBhvr>
+                                        <p:cTn id="10" dur="1" fill="hold">
+                                          <p:stCondLst>
+                                            <p:cond delay="0"/>
+                                          </p:stCondLst>
+                                        </p:cTn>
+                                        <p:tgtEl>
+                                          <p:spTgt spid="4"/>
+                                        </p:tgtEl>
+                                        <p:attrNameLst>
+                                          <p:attrName>style.visibility</p:attrName>
+                                        </p:attrNameLst>
+                                      </p:cBhvr>
+                                      <p:to>
+                                        <p:strVal val="visible"/>
+                                      </p:to>
+                                    </p:set>
+                                    <p:animEffect transition="in" filter="dissolve">
+                                      <p:cBhvr>
+                                        <p:cTn id="11" dur="500"/>
+                                        <p:tgtEl>
+                                          <p:spTgt spid="4"/>
+                                        </p:tgtEl>
+                                      </p:cBhvr>
+                                    </p:animEffect>
+                                  </p:childTnLst>
+                                </p:cTn>
+                              </p:par>
+                            </p:childTnLst>
+                          </p:cTn>
+                        </p:par>
+                      </p:childTnLst>
+                    </p:cTn>
+                  </p:par>
+                  <p:par>
+                    <p:cTn id="12" fill="hold">
+                      <p:stCondLst>
+                        <p:cond delay="indefinite"/>
+                      </p:stCondLst>
+                      <p:childTnLst>
+                        <p:par>
+                          <p:cTn id="13" fill="hold">
+                            <p:stCondLst>
+                              <p:cond delay="0"/>
+                            </p:stCondLst>
+                            <p:childTnLst>
+                              <p:par>
+                                <p:cTn id="14" presetID="9" presetClass="entr" presetSubtype="0" fill="hold" nodeType="clickEffect">
+                                  <p:stCondLst>
+                                    <p:cond delay="0"/>
+                                  </p:stCondLst>
+                                  <p:childTnLst>
+                                    <p:set>
+                                      <p:cBhvr>
+                                        <p:cTn id="15" dur="1" fill="hold">
+                                          <p:stCondLst>
+                                            <p:cond delay="0"/>
+                                          </p:stCondLst>
+                                        </p:cTn>
+                                        <p:tgtEl>
+                                          <p:spTgt spid="5"/>
+                                        </p:tgtEl>
+                                        <p:attrNameLst>
+                                          <p:attrName>style.visibility</p:attrName>
+                                        </p:attrNameLst>
+                                      </p:cBhvr>
+                                      <p:to>
+                                        <p:strVal val="visible"/>
+                                      </p:to>
+                                    </p:set>
+                                    <p:animEffect transition="in" filter="dissolve">
+                                      <p:cBhvr>
+                                        <p:cTn id="16" dur="500"/>
+                                        <p:tgtEl>
+                                          <p:spTgt spid="5"/>
+                                        </p:tgtEl>
+                                      </p:cBhvr>
+                                    </p:animEffect>
+                                  </p:childTnLst>
+                                </p:cTn>
+                              </p:par>
+                            </p:childTnLst>
+                          </p:cTn>
+                        </p:par>
+                      </p:childTnLst>
+                    </p:cTn>
+                  </p:par>
+                </p:childTnLst>
+              </p:cTn>
+              <p:prevCondLst>
+                <p:cond evt="onPrev" delay="0">
+                  <p:tgtEl>
+                    <p:sldTgt/>
+                  </p:tgtEl>
+                </p:cond>
+              </p:prevCondLst>
+              <p:nextCondLst>
+                <p:cond evt="onNext" delay="0">
+                  <p:tgtEl>
+                    <p:sldTgt/>
+                  </p:tgtEl>
+                </p:cond>
+              </p:nextCondLst>
+            </p:seq>
+          </p:childTnLst>
+        </p:cTn>
       </p:par>
     </p:tnLst>
   </p:timing>
@@ -4252,6 +4491,44 @@
           </a:prstGeom>
         </p:spPr>
       </p:pic>
+      <p:sp>
+        <p:nvSpPr>
+          <p:cNvPr id="4" name="文本框 3"/>
+          <p:cNvSpPr txBox="1"/>
+          <p:nvPr/>
+        </p:nvSpPr>
+        <p:spPr>
+          <a:xfrm>
+            <a:off x="3169085" y="475989"/>
+            <a:ext cx="2492990" cy="646331"/>
+          </a:xfrm>
+          <a:prstGeom prst="rect">
+            <a:avLst/>
+          </a:prstGeom>
+          <a:noFill/>
+        </p:spPr>
+        <p:txBody>
+          <a:bodyPr wrap="none" rtlCol="0">
+            <a:spAutoFit/>
+          </a:bodyPr>
+          <a:lstStyle/>
+          <a:p>
+            <a:r>
+              <a:rPr kumimoji="1" lang="zh-CN" altLang="en-US" sz="3600" dirty="0" smtClean="0">
+                <a:latin typeface="STHupo" charset="-122"/>
+                <a:ea typeface="STHupo" charset="-122"/>
+                <a:cs typeface="STHupo" charset="-122"/>
+              </a:rPr>
+              <a:t>这是一棵树</a:t>
+            </a:r>
+            <a:endParaRPr kumimoji="1" lang="zh-CN" altLang="en-US" sz="3600" dirty="0">
+              <a:latin typeface="STHupo" charset="-122"/>
+              <a:ea typeface="STHupo" charset="-122"/>
+              <a:cs typeface="STHupo" charset="-122"/>
+            </a:endParaRPr>
+          </a:p>
+        </p:txBody>
+      </p:sp>
     </p:spTree>
     <p:extLst>
       <p:ext uri="{BB962C8B-B14F-4D97-AF65-F5344CB8AC3E}">
@@ -4262,11 +4539,11 @@
   <p:clrMapOvr>
     <a:masterClrMapping/>
   </p:clrMapOvr>
-  <mc:AlternateContent xmlns:mc="http://schemas.openxmlformats.org/markup-compatibility/2006">
-    <mc:Choice xmlns:p14="http://schemas.microsoft.com/office/powerpoint/2010/main" Requires="p14">
+  <mc:AlternateContent xmlns:mc="http://schemas.openxmlformats.org/markup-compatibility/2006" xmlns:p14="http://schemas.microsoft.com/office/powerpoint/2010/main">
+    <mc:Choice Requires="p14">
       <p:transition p14:dur="0"/>
     </mc:Choice>
-    <mc:Fallback>
+    <mc:Fallback xmlns="">
       <p:transition/>
     </mc:Fallback>
   </mc:AlternateContent>
@@ -4427,14 +4704,44 @@
         </p:blipFill>
         <p:spPr>
           <a:xfrm>
-            <a:off x="2324571" y="271857"/>
-            <a:ext cx="7542857" cy="6314286"/>
+            <a:off x="2683295" y="1229514"/>
+            <a:ext cx="6255549" cy="5236653"/>
           </a:xfrm>
           <a:prstGeom prst="rect">
             <a:avLst/>
           </a:prstGeom>
         </p:spPr>
       </p:pic>
+      <p:sp>
+        <p:nvSpPr>
+          <p:cNvPr id="2" name="文本框 1"/>
+          <p:cNvSpPr txBox="1"/>
+          <p:nvPr/>
+        </p:nvSpPr>
+        <p:spPr>
+          <a:xfrm>
+            <a:off x="3727161" y="174382"/>
+            <a:ext cx="5211683" cy="523220"/>
+          </a:xfrm>
+          <a:prstGeom prst="rect">
+            <a:avLst/>
+          </a:prstGeom>
+          <a:noFill/>
+        </p:spPr>
+        <p:txBody>
+          <a:bodyPr wrap="none" rtlCol="0">
+            <a:spAutoFit/>
+          </a:bodyPr>
+          <a:lstStyle/>
+          <a:p>
+            <a:r>
+              <a:rPr kumimoji="1" lang="zh-CN" altLang="en-US" sz="2800" dirty="0" smtClean="0"/>
+              <a:t>找出下面哪个不是树（多选题）</a:t>
+            </a:r>
+            <a:endParaRPr kumimoji="1" lang="zh-CN" altLang="en-US" sz="2800" dirty="0"/>
+          </a:p>
+        </p:txBody>
+      </p:sp>
     </p:spTree>
     <p:extLst>
       <p:ext uri="{BB962C8B-B14F-4D97-AF65-F5344CB8AC3E}">
@@ -5429,27 +5736,7 @@
                   </a:schemeClr>
                 </a:solidFill>
               </a:rPr>
-              <a:t>O</a:t>
-            </a:r>
-            <a:r>
-              <a:rPr lang="en-US" altLang="zh-CN" dirty="0" smtClean="0">
-                <a:solidFill>
-                  <a:schemeClr val="accent5">
-                    <a:lumMod val="75000"/>
-                  </a:schemeClr>
-                </a:solidFill>
-              </a:rPr>
-              <a:t>(</a:t>
-            </a:r>
-            <a:r>
-              <a:rPr lang="en-US" altLang="zh-CN" dirty="0" smtClean="0">
-                <a:solidFill>
-                  <a:schemeClr val="accent5">
-                    <a:lumMod val="75000"/>
-                  </a:schemeClr>
-                </a:solidFill>
-              </a:rPr>
-              <a:t>N</a:t>
+              <a:t>O(N</a:t>
             </a:r>
             <a:r>
               <a:rPr lang="en-US" altLang="zh-CN" dirty="0">
@@ -5531,17 +5818,7 @@
                   </a:schemeClr>
                 </a:solidFill>
               </a:rPr>
-              <a:t>O</a:t>
-            </a:r>
-            <a:r>
-              <a:rPr lang="en-US" altLang="zh-CN" dirty="0" smtClean="0">
-                <a:solidFill>
-                  <a:schemeClr val="accent5">
-                    <a:lumMod val="75000"/>
-                  </a:schemeClr>
-                </a:solidFill>
-              </a:rPr>
-              <a:t>(14^2</a:t>
+              <a:t>O(14^2</a:t>
             </a:r>
             <a:r>
               <a:rPr lang="en-US" altLang="zh-CN" dirty="0">
